--- a/topic06/talk-2/BAII.pptx
+++ b/topic06/talk-2/BAII.pptx
@@ -123,7 +123,7 @@
   </p:defaultTextStyle>
   <p:extLst>
     <p:ext uri="{EFAFB233-063F-42B5-8137-9DF3F51BA10A}">
-      <p15:sldGuideLst xmlns:p15="http://schemas.microsoft.com/office/powerpoint/2012/main">
+      <p15:sldGuideLst xmlns:p15="http://schemas.microsoft.com/office/powerpoint/2012/main" xmlns="">
         <p15:guide id="1" orient="horz" pos="2160">
           <p15:clr>
             <a:srgbClr val="A4A3A4"/>
@@ -137,7 +137,7 @@
       </p15:sldGuideLst>
     </p:ext>
     <p:ext uri="{2D200454-40CA-4A62-9FC3-DE9A4176ACB9}">
-      <p15:notesGuideLst xmlns:p15="http://schemas.microsoft.com/office/powerpoint/2012/main"/>
+      <p15:notesGuideLst xmlns:p15="http://schemas.microsoft.com/office/powerpoint/2012/main" xmlns=""/>
     </p:ext>
   </p:extLst>
 </p:presentation>
@@ -225,7 +225,7 @@
           <a:p>
             <a:fld id="{66F332A7-8841-4108-896E-7A167BF10CA9}" type="datetimeFigureOut">
               <a:rPr lang="en-IE" smtClean="0"/>
-              <a:t>12/03/2015</a:t>
+              <a:t>04/04/2016</a:t>
             </a:fld>
             <a:endParaRPr lang="en-IE"/>
           </a:p>
@@ -1970,7 +1970,7 @@
           <a:p>
             <a:fld id="{B1A36C92-6815-4E04-A839-A18A43E73973}" type="datetime1">
               <a:rPr lang="en-IE" smtClean="0"/>
-              <a:t>12/03/2015</a:t>
+              <a:t>04/04/2016</a:t>
             </a:fld>
             <a:endParaRPr lang="en-IE"/>
           </a:p>
@@ -2608,7 +2608,7 @@
           <a:p>
             <a:fld id="{AD7BBA22-4AD5-4A47-8229-D5BFCFB85B50}" type="datetime1">
               <a:rPr lang="en-IE" smtClean="0"/>
-              <a:t>12/03/2015</a:t>
+              <a:t>04/04/2016</a:t>
             </a:fld>
             <a:endParaRPr lang="en-IE"/>
           </a:p>
@@ -2890,7 +2890,7 @@
           <a:p>
             <a:fld id="{C638ED94-3AD5-4747-A64C-8B4C64046AD0}" type="datetime1">
               <a:rPr lang="en-IE" smtClean="0"/>
-              <a:t>12/03/2015</a:t>
+              <a:t>04/04/2016</a:t>
             </a:fld>
             <a:endParaRPr lang="en-IE"/>
           </a:p>
@@ -3060,7 +3060,7 @@
           <a:p>
             <a:fld id="{028045C6-6EE4-4432-AF83-758A41562887}" type="datetime1">
               <a:rPr lang="en-IE" smtClean="0"/>
-              <a:t>12/03/2015</a:t>
+              <a:t>04/04/2016</a:t>
             </a:fld>
             <a:endParaRPr lang="en-IE"/>
           </a:p>
@@ -3246,7 +3246,7 @@
           <a:p>
             <a:fld id="{E3F168EB-D606-41AD-A62C-0885EEB9BCF5}" type="datetime1">
               <a:rPr lang="en-IE" smtClean="0"/>
-              <a:t>12/03/2015</a:t>
+              <a:t>04/04/2016</a:t>
             </a:fld>
             <a:endParaRPr lang="en-IE"/>
           </a:p>
@@ -3896,7 +3896,7 @@
           <a:p>
             <a:fld id="{EBE146A5-986D-474B-953D-0B5984D9A801}" type="datetime1">
               <a:rPr lang="en-IE" smtClean="0"/>
-              <a:t>12/03/2015</a:t>
+              <a:t>04/04/2016</a:t>
             </a:fld>
             <a:endParaRPr lang="en-IE"/>
           </a:p>
@@ -4327,7 +4327,7 @@
           <a:p>
             <a:fld id="{6DC4F09C-C47D-4FFD-A7A0-5216420F70BA}" type="datetime1">
               <a:rPr lang="en-IE" smtClean="0"/>
-              <a:t>12/03/2015</a:t>
+              <a:t>04/04/2016</a:t>
             </a:fld>
             <a:endParaRPr lang="en-IE"/>
           </a:p>
@@ -4445,7 +4445,7 @@
           <a:p>
             <a:fld id="{BE36D0FB-A6B6-457A-9608-988E89BD7D9D}" type="datetime1">
               <a:rPr lang="en-IE" smtClean="0"/>
-              <a:t>12/03/2015</a:t>
+              <a:t>04/04/2016</a:t>
             </a:fld>
             <a:endParaRPr lang="en-IE"/>
           </a:p>
@@ -4631,7 +4631,7 @@
           <a:p>
             <a:fld id="{4BEB3C43-1E16-40B6-B2CB-B431175C5A02}" type="datetime1">
               <a:rPr lang="en-IE" smtClean="0"/>
-              <a:t>12/03/2015</a:t>
+              <a:t>04/04/2016</a:t>
             </a:fld>
             <a:endParaRPr lang="en-IE"/>
           </a:p>
@@ -4902,7 +4902,7 @@
           <a:p>
             <a:fld id="{918D548E-6F62-46D9-B097-B499E30F5628}" type="datetime1">
               <a:rPr lang="en-IE" smtClean="0"/>
-              <a:t>12/03/2015</a:t>
+              <a:t>04/04/2016</a:t>
             </a:fld>
             <a:endParaRPr lang="en-IE"/>
           </a:p>
@@ -5377,7 +5377,7 @@
           <a:p>
             <a:fld id="{13A2AD5F-134A-4604-B849-A2250386F03B}" type="datetime1">
               <a:rPr lang="en-IE" smtClean="0"/>
-              <a:t>12/03/2015</a:t>
+              <a:t>04/04/2016</a:t>
             </a:fld>
             <a:endParaRPr lang="en-IE"/>
           </a:p>
@@ -5942,7 +5942,7 @@
           <a:p>
             <a:fld id="{10841152-6114-48DC-A61E-A8E742144FE0}" type="datetime1">
               <a:rPr lang="en-IE" smtClean="0"/>
-              <a:t>12/03/2015</a:t>
+              <a:t>04/04/2016</a:t>
             </a:fld>
             <a:endParaRPr lang="en-IE"/>
           </a:p>
@@ -8719,7 +8719,15 @@
             <a:pPr lvl="1"/>
             <a:r>
               <a:rPr lang="en-GB" sz="2800" dirty="0" smtClean="0"/>
-              <a:t>Operational analytics require a disciplined and organised approach across and organisation and a lot of technological, process, and cultural change as well.</a:t>
+              <a:t>Operational analytics require a disciplined and organised approach across </a:t>
+            </a:r>
+            <a:r>
+              <a:rPr lang="en-GB" sz="2800" dirty="0" smtClean="0"/>
+              <a:t>an </a:t>
+            </a:r>
+            <a:r>
+              <a:rPr lang="en-GB" sz="2800" dirty="0" smtClean="0"/>
+              <a:t>organisation and a lot of technological, process, and cultural change as well.</a:t>
             </a:r>
           </a:p>
           <a:p>
@@ -8941,7 +8949,15 @@
           <a:p>
             <a:r>
               <a:rPr lang="en-IE" dirty="0" smtClean="0"/>
-              <a:t>Of course it takes human intervention to decided that an operational analytics process is needed and to build the process.</a:t>
+              <a:t>Of course it takes human intervention to </a:t>
+            </a:r>
+            <a:r>
+              <a:rPr lang="en-IE" dirty="0" smtClean="0"/>
+              <a:t>decide </a:t>
+            </a:r>
+            <a:r>
+              <a:rPr lang="en-IE" dirty="0" smtClean="0"/>
+              <a:t>that an operational analytics process is needed and to build the process.</a:t>
             </a:r>
           </a:p>
           <a:p>
@@ -10056,7 +10072,7 @@
   <a:extraClrSchemeLst/>
   <a:extLst>
     <a:ext uri="{05A4C25C-085E-4340-85A3-A5531E510DB2}">
-      <thm15:themeFamily xmlns:thm15="http://schemas.microsoft.com/office/thememl/2012/main" name="analytic" id="{9A28554E-78CD-4F85-AE53-59AAB432ED69}" vid="{CA8F7F4E-8027-487E-91E4-E9646DCEB1B6}"/>
+      <thm15:themeFamily xmlns:thm15="http://schemas.microsoft.com/office/thememl/2012/main" xmlns="" name="analytic" id="{9A28554E-78CD-4F85-AE53-59AAB432ED69}" vid="{CA8F7F4E-8027-487E-91E4-E9646DCEB1B6}"/>
     </a:ext>
   </a:extLst>
 </a:theme>
@@ -10317,7 +10333,7 @@
   <a:extraClrSchemeLst/>
   <a:extLst>
     <a:ext uri="{05A4C25C-085E-4340-85A3-A5531E510DB2}">
-      <thm15:themeFamily xmlns:thm15="http://schemas.microsoft.com/office/thememl/2012/main" name="Office Theme" id="{62F939B6-93AF-4DB8-9C6B-D6C7DFDC589F}" vid="{4A3C46E8-61CC-4603-A589-7422A47A8E4A}"/>
+      <thm15:themeFamily xmlns:thm15="http://schemas.microsoft.com/office/thememl/2012/main" xmlns="" name="Office Theme" id="{62F939B6-93AF-4DB8-9C6B-D6C7DFDC589F}" vid="{4A3C46E8-61CC-4603-A589-7422A47A8E4A}"/>
     </a:ext>
   </a:extLst>
 </a:theme>
